--- a/Project1- Popular Music Analysis.pptx
+++ b/Project1- Popular Music Analysis.pptx
@@ -13,7 +13,10 @@
     <p:sldId id="262" r:id="rId7"/>
     <p:sldId id="263" r:id="rId8"/>
     <p:sldId id="264" r:id="rId9"/>
-    <p:sldId id="265" r:id="rId10"/>
+    <p:sldId id="268" r:id="rId10"/>
+    <p:sldId id="267" r:id="rId11"/>
+    <p:sldId id="266" r:id="rId12"/>
+    <p:sldId id="265" r:id="rId13"/>
   </p:sldIdLst>
   <p:sldSz cx="12192000" cy="6858000"/>
   <p:notesSz cx="6858000" cy="9144000"/>
@@ -112,6 +115,11 @@
       </a:defRPr>
     </a:lvl9pPr>
   </p:defaultTextStyle>
+  <p:extLst>
+    <p:ext uri="{EFAFB233-063F-42B5-8137-9DF3F51BA10A}">
+      <p15:sldGuideLst xmlns:p15="http://schemas.microsoft.com/office/powerpoint/2012/main"/>
+    </p:ext>
+  </p:extLst>
 </p:presentation>
 </file>
 
@@ -262,7 +270,7 @@
           <a:p>
             <a:fld id="{ABA543B9-FAD4-440E-8E87-F4D186F37D3E}" type="datetimeFigureOut">
               <a:rPr lang="en-US" smtClean="0"/>
-              <a:t>11/3/2024</a:t>
+              <a:t>11/4/2024</a:t>
             </a:fld>
             <a:endParaRPr lang="en-US"/>
           </a:p>
@@ -460,7 +468,7 @@
           <a:p>
             <a:fld id="{ABA543B9-FAD4-440E-8E87-F4D186F37D3E}" type="datetimeFigureOut">
               <a:rPr lang="en-US" smtClean="0"/>
-              <a:t>11/3/2024</a:t>
+              <a:t>11/4/2024</a:t>
             </a:fld>
             <a:endParaRPr lang="en-US"/>
           </a:p>
@@ -668,7 +676,7 @@
           <a:p>
             <a:fld id="{ABA543B9-FAD4-440E-8E87-F4D186F37D3E}" type="datetimeFigureOut">
               <a:rPr lang="en-US" smtClean="0"/>
-              <a:t>11/3/2024</a:t>
+              <a:t>11/4/2024</a:t>
             </a:fld>
             <a:endParaRPr lang="en-US"/>
           </a:p>
@@ -866,7 +874,7 @@
           <a:p>
             <a:fld id="{ABA543B9-FAD4-440E-8E87-F4D186F37D3E}" type="datetimeFigureOut">
               <a:rPr lang="en-US" smtClean="0"/>
-              <a:t>11/3/2024</a:t>
+              <a:t>11/4/2024</a:t>
             </a:fld>
             <a:endParaRPr lang="en-US"/>
           </a:p>
@@ -1141,7 +1149,7 @@
           <a:p>
             <a:fld id="{ABA543B9-FAD4-440E-8E87-F4D186F37D3E}" type="datetimeFigureOut">
               <a:rPr lang="en-US" smtClean="0"/>
-              <a:t>11/3/2024</a:t>
+              <a:t>11/4/2024</a:t>
             </a:fld>
             <a:endParaRPr lang="en-US"/>
           </a:p>
@@ -1406,7 +1414,7 @@
           <a:p>
             <a:fld id="{ABA543B9-FAD4-440E-8E87-F4D186F37D3E}" type="datetimeFigureOut">
               <a:rPr lang="en-US" smtClean="0"/>
-              <a:t>11/3/2024</a:t>
+              <a:t>11/4/2024</a:t>
             </a:fld>
             <a:endParaRPr lang="en-US"/>
           </a:p>
@@ -1818,7 +1826,7 @@
           <a:p>
             <a:fld id="{ABA543B9-FAD4-440E-8E87-F4D186F37D3E}" type="datetimeFigureOut">
               <a:rPr lang="en-US" smtClean="0"/>
-              <a:t>11/3/2024</a:t>
+              <a:t>11/4/2024</a:t>
             </a:fld>
             <a:endParaRPr lang="en-US"/>
           </a:p>
@@ -1959,7 +1967,7 @@
           <a:p>
             <a:fld id="{ABA543B9-FAD4-440E-8E87-F4D186F37D3E}" type="datetimeFigureOut">
               <a:rPr lang="en-US" smtClean="0"/>
-              <a:t>11/3/2024</a:t>
+              <a:t>11/4/2024</a:t>
             </a:fld>
             <a:endParaRPr lang="en-US"/>
           </a:p>
@@ -2072,7 +2080,7 @@
           <a:p>
             <a:fld id="{ABA543B9-FAD4-440E-8E87-F4D186F37D3E}" type="datetimeFigureOut">
               <a:rPr lang="en-US" smtClean="0"/>
-              <a:t>11/3/2024</a:t>
+              <a:t>11/4/2024</a:t>
             </a:fld>
             <a:endParaRPr lang="en-US"/>
           </a:p>
@@ -2383,7 +2391,7 @@
           <a:p>
             <a:fld id="{ABA543B9-FAD4-440E-8E87-F4D186F37D3E}" type="datetimeFigureOut">
               <a:rPr lang="en-US" smtClean="0"/>
-              <a:t>11/3/2024</a:t>
+              <a:t>11/4/2024</a:t>
             </a:fld>
             <a:endParaRPr lang="en-US"/>
           </a:p>
@@ -2671,7 +2679,7 @@
           <a:p>
             <a:fld id="{ABA543B9-FAD4-440E-8E87-F4D186F37D3E}" type="datetimeFigureOut">
               <a:rPr lang="en-US" smtClean="0"/>
-              <a:t>11/3/2024</a:t>
+              <a:t>11/4/2024</a:t>
             </a:fld>
             <a:endParaRPr lang="en-US"/>
           </a:p>
@@ -2912,7 +2920,7 @@
           <a:p>
             <a:fld id="{ABA543B9-FAD4-440E-8E87-F4D186F37D3E}" type="datetimeFigureOut">
               <a:rPr lang="en-US" smtClean="0"/>
-              <a:t>11/3/2024</a:t>
+              <a:t>11/4/2024</a:t>
             </a:fld>
             <a:endParaRPr lang="en-US"/>
           </a:p>
@@ -3403,6 +3411,753 @@
 </p:sld>
 </file>
 
+<file path=ppt/slides/slide10.xml><?xml version="1.0" encoding="utf-8"?>
+<p:sld xmlns:a="http://schemas.openxmlformats.org/drawingml/2006/main" xmlns:r="http://schemas.openxmlformats.org/officeDocument/2006/relationships" xmlns:p="http://schemas.openxmlformats.org/presentationml/2006/main">
+  <p:cSld>
+    <p:spTree>
+      <p:nvGrpSpPr>
+        <p:cNvPr id="1" name=""/>
+        <p:cNvGrpSpPr/>
+        <p:nvPr/>
+      </p:nvGrpSpPr>
+      <p:grpSpPr>
+        <a:xfrm>
+          <a:off x="0" y="0"/>
+          <a:ext cx="0" cy="0"/>
+          <a:chOff x="0" y="0"/>
+          <a:chExt cx="0" cy="0"/>
+        </a:xfrm>
+      </p:grpSpPr>
+      <p:sp>
+        <p:nvSpPr>
+          <p:cNvPr id="2" name="Title 1">
+            <a:extLst>
+              <a:ext uri="{FF2B5EF4-FFF2-40B4-BE49-F238E27FC236}">
+                <a16:creationId xmlns:a16="http://schemas.microsoft.com/office/drawing/2014/main" id="{9071D6DD-9070-18B9-85A1-D1E1B67C60FD}"/>
+              </a:ext>
+            </a:extLst>
+          </p:cNvPr>
+          <p:cNvSpPr>
+            <a:spLocks noGrp="1"/>
+          </p:cNvSpPr>
+          <p:nvPr>
+            <p:ph type="title"/>
+          </p:nvPr>
+        </p:nvSpPr>
+        <p:spPr>
+          <a:xfrm>
+            <a:off x="508000" y="290772"/>
+            <a:ext cx="10515600" cy="1325563"/>
+          </a:xfrm>
+        </p:spPr>
+        <p:txBody>
+          <a:bodyPr/>
+          <a:lstStyle/>
+          <a:p>
+            <a:r>
+              <a:rPr lang="en-US" dirty="0"/>
+              <a:t>Key Distribution</a:t>
+            </a:r>
+          </a:p>
+        </p:txBody>
+      </p:sp>
+      <p:pic>
+        <p:nvPicPr>
+          <p:cNvPr id="5" name="Content Placeholder 4" descr="A graph of blue bars&#10;&#10;Description automatically generated with medium confidence">
+            <a:extLst>
+              <a:ext uri="{FF2B5EF4-FFF2-40B4-BE49-F238E27FC236}">
+                <a16:creationId xmlns:a16="http://schemas.microsoft.com/office/drawing/2014/main" id="{7C55642D-0A9B-BB47-DA62-679B2376565D}"/>
+              </a:ext>
+            </a:extLst>
+          </p:cNvPr>
+          <p:cNvPicPr>
+            <a:picLocks noGrp="1" noChangeAspect="1"/>
+          </p:cNvPicPr>
+          <p:nvPr>
+            <p:ph idx="1"/>
+          </p:nvPr>
+        </p:nvPicPr>
+        <p:blipFill>
+          <a:blip r:embed="rId2">
+            <a:extLst>
+              <a:ext uri="{28A0092B-C50C-407E-A947-70E740481C1C}">
+                <a14:useLocalDpi xmlns:a14="http://schemas.microsoft.com/office/drawing/2010/main" val="0"/>
+              </a:ext>
+            </a:extLst>
+          </a:blip>
+          <a:stretch>
+            <a:fillRect/>
+          </a:stretch>
+        </p:blipFill>
+        <p:spPr>
+          <a:xfrm>
+            <a:off x="4298245" y="475754"/>
+            <a:ext cx="3665472" cy="2749104"/>
+          </a:xfrm>
+        </p:spPr>
+      </p:pic>
+      <p:pic>
+        <p:nvPicPr>
+          <p:cNvPr id="9" name="Picture 8" descr="A graph of blue bars&#10;&#10;Description automatically generated with medium confidence">
+            <a:extLst>
+              <a:ext uri="{FF2B5EF4-FFF2-40B4-BE49-F238E27FC236}">
+                <a16:creationId xmlns:a16="http://schemas.microsoft.com/office/drawing/2014/main" id="{C42D80D7-5E00-F222-ED40-BEFDC4ABB455}"/>
+              </a:ext>
+            </a:extLst>
+          </p:cNvPr>
+          <p:cNvPicPr>
+            <a:picLocks noChangeAspect="1"/>
+          </p:cNvPicPr>
+          <p:nvPr/>
+        </p:nvPicPr>
+        <p:blipFill>
+          <a:blip r:embed="rId3">
+            <a:extLst>
+              <a:ext uri="{28A0092B-C50C-407E-A947-70E740481C1C}">
+                <a14:useLocalDpi xmlns:a14="http://schemas.microsoft.com/office/drawing/2010/main" val="0"/>
+              </a:ext>
+            </a:extLst>
+          </a:blip>
+          <a:stretch>
+            <a:fillRect/>
+          </a:stretch>
+        </p:blipFill>
+        <p:spPr>
+          <a:xfrm>
+            <a:off x="7963717" y="475754"/>
+            <a:ext cx="3665472" cy="2749104"/>
+          </a:xfrm>
+          <a:prstGeom prst="rect">
+            <a:avLst/>
+          </a:prstGeom>
+        </p:spPr>
+      </p:pic>
+      <p:pic>
+        <p:nvPicPr>
+          <p:cNvPr id="11" name="Picture 10" descr="A graph of blue bars&#10;&#10;Description automatically generated with medium confidence">
+            <a:extLst>
+              <a:ext uri="{FF2B5EF4-FFF2-40B4-BE49-F238E27FC236}">
+                <a16:creationId xmlns:a16="http://schemas.microsoft.com/office/drawing/2014/main" id="{0C2F7B64-02E9-5E8C-31A7-D87FEF3BC094}"/>
+              </a:ext>
+            </a:extLst>
+          </p:cNvPr>
+          <p:cNvPicPr>
+            <a:picLocks noChangeAspect="1"/>
+          </p:cNvPicPr>
+          <p:nvPr/>
+        </p:nvPicPr>
+        <p:blipFill>
+          <a:blip r:embed="rId4">
+            <a:extLst>
+              <a:ext uri="{28A0092B-C50C-407E-A947-70E740481C1C}">
+                <a14:useLocalDpi xmlns:a14="http://schemas.microsoft.com/office/drawing/2010/main" val="0"/>
+              </a:ext>
+            </a:extLst>
+          </a:blip>
+          <a:stretch>
+            <a:fillRect/>
+          </a:stretch>
+        </p:blipFill>
+        <p:spPr>
+          <a:xfrm>
+            <a:off x="4298245" y="3286510"/>
+            <a:ext cx="3665472" cy="2749104"/>
+          </a:xfrm>
+          <a:prstGeom prst="rect">
+            <a:avLst/>
+          </a:prstGeom>
+        </p:spPr>
+      </p:pic>
+      <p:pic>
+        <p:nvPicPr>
+          <p:cNvPr id="13" name="Picture 12" descr="A graph of blue bars&#10;&#10;Description automatically generated with medium confidence">
+            <a:extLst>
+              <a:ext uri="{FF2B5EF4-FFF2-40B4-BE49-F238E27FC236}">
+                <a16:creationId xmlns:a16="http://schemas.microsoft.com/office/drawing/2014/main" id="{6AFF497F-0C22-2124-B1D0-0F0644CC4142}"/>
+              </a:ext>
+            </a:extLst>
+          </p:cNvPr>
+          <p:cNvPicPr>
+            <a:picLocks noChangeAspect="1"/>
+          </p:cNvPicPr>
+          <p:nvPr/>
+        </p:nvPicPr>
+        <p:blipFill>
+          <a:blip r:embed="rId5">
+            <a:extLst>
+              <a:ext uri="{28A0092B-C50C-407E-A947-70E740481C1C}">
+                <a14:useLocalDpi xmlns:a14="http://schemas.microsoft.com/office/drawing/2010/main" val="0"/>
+              </a:ext>
+            </a:extLst>
+          </a:blip>
+          <a:stretch>
+            <a:fillRect/>
+          </a:stretch>
+        </p:blipFill>
+        <p:spPr>
+          <a:xfrm>
+            <a:off x="7963717" y="3286510"/>
+            <a:ext cx="3665472" cy="2749104"/>
+          </a:xfrm>
+          <a:prstGeom prst="rect">
+            <a:avLst/>
+          </a:prstGeom>
+        </p:spPr>
+      </p:pic>
+    </p:spTree>
+    <p:extLst>
+      <p:ext uri="{BB962C8B-B14F-4D97-AF65-F5344CB8AC3E}">
+        <p14:creationId xmlns:p14="http://schemas.microsoft.com/office/powerpoint/2010/main" val="1953401017"/>
+      </p:ext>
+    </p:extLst>
+  </p:cSld>
+  <p:clrMapOvr>
+    <a:masterClrMapping/>
+  </p:clrMapOvr>
+</p:sld>
+</file>
+
+<file path=ppt/slides/slide11.xml><?xml version="1.0" encoding="utf-8"?>
+<p:sld xmlns:a="http://schemas.openxmlformats.org/drawingml/2006/main" xmlns:r="http://schemas.openxmlformats.org/officeDocument/2006/relationships" xmlns:p="http://schemas.openxmlformats.org/presentationml/2006/main">
+  <p:cSld>
+    <p:spTree>
+      <p:nvGrpSpPr>
+        <p:cNvPr id="1" name=""/>
+        <p:cNvGrpSpPr/>
+        <p:nvPr/>
+      </p:nvGrpSpPr>
+      <p:grpSpPr>
+        <a:xfrm>
+          <a:off x="0" y="0"/>
+          <a:ext cx="0" cy="0"/>
+          <a:chOff x="0" y="0"/>
+          <a:chExt cx="0" cy="0"/>
+        </a:xfrm>
+      </p:grpSpPr>
+      <p:sp>
+        <p:nvSpPr>
+          <p:cNvPr id="2" name="Title 1">
+            <a:extLst>
+              <a:ext uri="{FF2B5EF4-FFF2-40B4-BE49-F238E27FC236}">
+                <a16:creationId xmlns:a16="http://schemas.microsoft.com/office/drawing/2014/main" id="{C17AA84C-CFAD-855B-8160-5C936C046D87}"/>
+              </a:ext>
+            </a:extLst>
+          </p:cNvPr>
+          <p:cNvSpPr>
+            <a:spLocks noGrp="1"/>
+          </p:cNvSpPr>
+          <p:nvPr>
+            <p:ph type="title"/>
+          </p:nvPr>
+        </p:nvSpPr>
+        <p:spPr/>
+        <p:txBody>
+          <a:bodyPr/>
+          <a:lstStyle/>
+          <a:p>
+            <a:r>
+              <a:rPr lang="en-US" dirty="0"/>
+              <a:t>Time Signature</a:t>
+            </a:r>
+          </a:p>
+        </p:txBody>
+      </p:sp>
+      <p:pic>
+        <p:nvPicPr>
+          <p:cNvPr id="5" name="Content Placeholder 4" descr="A pie chart with numbers and a blue arrow&#10;&#10;Description automatically generated">
+            <a:extLst>
+              <a:ext uri="{FF2B5EF4-FFF2-40B4-BE49-F238E27FC236}">
+                <a16:creationId xmlns:a16="http://schemas.microsoft.com/office/drawing/2014/main" id="{6ADCD38A-A5CE-F546-91BB-B496CD21DA58}"/>
+              </a:ext>
+            </a:extLst>
+          </p:cNvPr>
+          <p:cNvPicPr>
+            <a:picLocks noGrp="1" noChangeAspect="1"/>
+          </p:cNvPicPr>
+          <p:nvPr>
+            <p:ph idx="1"/>
+          </p:nvPr>
+        </p:nvPicPr>
+        <p:blipFill>
+          <a:blip r:embed="rId2">
+            <a:extLst>
+              <a:ext uri="{28A0092B-C50C-407E-A947-70E740481C1C}">
+                <a14:useLocalDpi xmlns:a14="http://schemas.microsoft.com/office/drawing/2010/main" val="0"/>
+              </a:ext>
+            </a:extLst>
+          </a:blip>
+          <a:stretch>
+            <a:fillRect/>
+          </a:stretch>
+        </p:blipFill>
+        <p:spPr>
+          <a:xfrm>
+            <a:off x="267321" y="2119506"/>
+            <a:ext cx="3307729" cy="2480797"/>
+          </a:xfrm>
+        </p:spPr>
+      </p:pic>
+      <p:pic>
+        <p:nvPicPr>
+          <p:cNvPr id="7" name="Picture 6" descr="A pie chart with numbers and a few percentages&#10;&#10;Description automatically generated">
+            <a:extLst>
+              <a:ext uri="{FF2B5EF4-FFF2-40B4-BE49-F238E27FC236}">
+                <a16:creationId xmlns:a16="http://schemas.microsoft.com/office/drawing/2014/main" id="{2CA76659-FBE2-CFB0-A982-007F71AC9FCD}"/>
+              </a:ext>
+            </a:extLst>
+          </p:cNvPr>
+          <p:cNvPicPr>
+            <a:picLocks noChangeAspect="1"/>
+          </p:cNvPicPr>
+          <p:nvPr/>
+        </p:nvPicPr>
+        <p:blipFill>
+          <a:blip r:embed="rId3">
+            <a:extLst>
+              <a:ext uri="{28A0092B-C50C-407E-A947-70E740481C1C}">
+                <a14:useLocalDpi xmlns:a14="http://schemas.microsoft.com/office/drawing/2010/main" val="0"/>
+              </a:ext>
+            </a:extLst>
+          </a:blip>
+          <a:stretch>
+            <a:fillRect/>
+          </a:stretch>
+        </p:blipFill>
+        <p:spPr>
+          <a:xfrm>
+            <a:off x="3161164" y="2119506"/>
+            <a:ext cx="3307729" cy="2480797"/>
+          </a:xfrm>
+          <a:prstGeom prst="rect">
+            <a:avLst/>
+          </a:prstGeom>
+        </p:spPr>
+      </p:pic>
+      <p:pic>
+        <p:nvPicPr>
+          <p:cNvPr id="9" name="Picture 8" descr="A pie chart with numbers and a few percentages&#10;&#10;Description automatically generated">
+            <a:extLst>
+              <a:ext uri="{FF2B5EF4-FFF2-40B4-BE49-F238E27FC236}">
+                <a16:creationId xmlns:a16="http://schemas.microsoft.com/office/drawing/2014/main" id="{21910417-C02D-C20F-EEEB-72B56A733441}"/>
+              </a:ext>
+            </a:extLst>
+          </p:cNvPr>
+          <p:cNvPicPr>
+            <a:picLocks noChangeAspect="1"/>
+          </p:cNvPicPr>
+          <p:nvPr/>
+        </p:nvPicPr>
+        <p:blipFill>
+          <a:blip r:embed="rId4">
+            <a:extLst>
+              <a:ext uri="{28A0092B-C50C-407E-A947-70E740481C1C}">
+                <a14:useLocalDpi xmlns:a14="http://schemas.microsoft.com/office/drawing/2010/main" val="0"/>
+              </a:ext>
+            </a:extLst>
+          </a:blip>
+          <a:stretch>
+            <a:fillRect/>
+          </a:stretch>
+        </p:blipFill>
+        <p:spPr>
+          <a:xfrm>
+            <a:off x="6055007" y="2119506"/>
+            <a:ext cx="3307729" cy="2480797"/>
+          </a:xfrm>
+          <a:prstGeom prst="rect">
+            <a:avLst/>
+          </a:prstGeom>
+        </p:spPr>
+      </p:pic>
+      <p:pic>
+        <p:nvPicPr>
+          <p:cNvPr id="11" name="Picture 10" descr="A pie chart with numbers and a few percentages&#10;&#10;Description automatically generated">
+            <a:extLst>
+              <a:ext uri="{FF2B5EF4-FFF2-40B4-BE49-F238E27FC236}">
+                <a16:creationId xmlns:a16="http://schemas.microsoft.com/office/drawing/2014/main" id="{EA8B5415-5ADB-73DF-6A20-A9E7F23972D7}"/>
+              </a:ext>
+            </a:extLst>
+          </p:cNvPr>
+          <p:cNvPicPr>
+            <a:picLocks noChangeAspect="1"/>
+          </p:cNvPicPr>
+          <p:nvPr/>
+        </p:nvPicPr>
+        <p:blipFill>
+          <a:blip r:embed="rId5">
+            <a:extLst>
+              <a:ext uri="{28A0092B-C50C-407E-A947-70E740481C1C}">
+                <a14:useLocalDpi xmlns:a14="http://schemas.microsoft.com/office/drawing/2010/main" val="0"/>
+              </a:ext>
+            </a:extLst>
+          </a:blip>
+          <a:stretch>
+            <a:fillRect/>
+          </a:stretch>
+        </p:blipFill>
+        <p:spPr>
+          <a:xfrm>
+            <a:off x="8884271" y="2119506"/>
+            <a:ext cx="3307729" cy="2480797"/>
+          </a:xfrm>
+          <a:prstGeom prst="rect">
+            <a:avLst/>
+          </a:prstGeom>
+        </p:spPr>
+      </p:pic>
+    </p:spTree>
+    <p:extLst>
+      <p:ext uri="{BB962C8B-B14F-4D97-AF65-F5344CB8AC3E}">
+        <p14:creationId xmlns:p14="http://schemas.microsoft.com/office/powerpoint/2010/main" val="3322072949"/>
+      </p:ext>
+    </p:extLst>
+  </p:cSld>
+  <p:clrMapOvr>
+    <a:masterClrMapping/>
+  </p:clrMapOvr>
+</p:sld>
+</file>
+
+<file path=ppt/slides/slide12.xml><?xml version="1.0" encoding="utf-8"?>
+<p:sld xmlns:a="http://schemas.openxmlformats.org/drawingml/2006/main" xmlns:r="http://schemas.openxmlformats.org/officeDocument/2006/relationships" xmlns:p="http://schemas.openxmlformats.org/presentationml/2006/main">
+  <p:cSld>
+    <p:spTree>
+      <p:nvGrpSpPr>
+        <p:cNvPr id="1" name="">
+          <a:extLst>
+            <a:ext uri="{FF2B5EF4-FFF2-40B4-BE49-F238E27FC236}">
+              <a16:creationId xmlns:a16="http://schemas.microsoft.com/office/drawing/2014/main" id="{D25BE3F2-E6E9-C343-CC8C-222E3FFB7AD3}"/>
+            </a:ext>
+          </a:extLst>
+        </p:cNvPr>
+        <p:cNvGrpSpPr/>
+        <p:nvPr/>
+      </p:nvGrpSpPr>
+      <p:grpSpPr>
+        <a:xfrm>
+          <a:off x="0" y="0"/>
+          <a:ext cx="0" cy="0"/>
+          <a:chOff x="0" y="0"/>
+          <a:chExt cx="0" cy="0"/>
+        </a:xfrm>
+      </p:grpSpPr>
+      <p:sp>
+        <p:nvSpPr>
+          <p:cNvPr id="2" name="Title 1">
+            <a:extLst>
+              <a:ext uri="{FF2B5EF4-FFF2-40B4-BE49-F238E27FC236}">
+                <a16:creationId xmlns:a16="http://schemas.microsoft.com/office/drawing/2014/main" id="{80AEEC76-636B-43A4-C0AF-81D0BCDB179B}"/>
+              </a:ext>
+            </a:extLst>
+          </p:cNvPr>
+          <p:cNvSpPr>
+            <a:spLocks noGrp="1"/>
+          </p:cNvSpPr>
+          <p:nvPr>
+            <p:ph type="ctrTitle"/>
+          </p:nvPr>
+        </p:nvSpPr>
+        <p:spPr>
+          <a:xfrm>
+            <a:off x="-1" y="406904"/>
+            <a:ext cx="4051883" cy="952113"/>
+          </a:xfrm>
+        </p:spPr>
+        <p:txBody>
+          <a:bodyPr>
+            <a:normAutofit fontScale="90000"/>
+          </a:bodyPr>
+          <a:lstStyle/>
+          <a:p>
+            <a:r>
+              <a:rPr lang="en-US" sz="4800" dirty="0"/>
+              <a:t>Explicit Content</a:t>
+            </a:r>
+          </a:p>
+        </p:txBody>
+      </p:sp>
+      <p:pic>
+        <p:nvPicPr>
+          <p:cNvPr id="4" name="Picture 3" descr="A green circle with red text&#10;&#10;Description automatically generated">
+            <a:extLst>
+              <a:ext uri="{FF2B5EF4-FFF2-40B4-BE49-F238E27FC236}">
+                <a16:creationId xmlns:a16="http://schemas.microsoft.com/office/drawing/2014/main" id="{9090200B-A18E-2D32-3F61-FFB25E8B9971}"/>
+              </a:ext>
+            </a:extLst>
+          </p:cNvPr>
+          <p:cNvPicPr>
+            <a:picLocks noChangeAspect="1"/>
+          </p:cNvPicPr>
+          <p:nvPr/>
+        </p:nvPicPr>
+        <p:blipFill>
+          <a:blip r:embed="rId2">
+            <a:extLst>
+              <a:ext uri="{28A0092B-C50C-407E-A947-70E740481C1C}">
+                <a14:useLocalDpi xmlns:a14="http://schemas.microsoft.com/office/drawing/2010/main" val="0"/>
+              </a:ext>
+            </a:extLst>
+          </a:blip>
+          <a:srcRect l="12294" t="5285" r="13830" b="16086"/>
+          <a:stretch/>
+        </p:blipFill>
+        <p:spPr>
+          <a:xfrm>
+            <a:off x="126325" y="2291267"/>
+            <a:ext cx="2566844" cy="2048972"/>
+          </a:xfrm>
+          <a:prstGeom prst="rect">
+            <a:avLst/>
+          </a:prstGeom>
+        </p:spPr>
+      </p:pic>
+      <p:pic>
+        <p:nvPicPr>
+          <p:cNvPr id="7" name="Picture 6" descr="A green and red pie chart&#10;&#10;Description automatically generated">
+            <a:extLst>
+              <a:ext uri="{FF2B5EF4-FFF2-40B4-BE49-F238E27FC236}">
+                <a16:creationId xmlns:a16="http://schemas.microsoft.com/office/drawing/2014/main" id="{907A4AD7-86B4-FE15-7DA6-8DF0ABD1F160}"/>
+              </a:ext>
+            </a:extLst>
+          </p:cNvPr>
+          <p:cNvPicPr>
+            <a:picLocks noChangeAspect="1"/>
+          </p:cNvPicPr>
+          <p:nvPr/>
+        </p:nvPicPr>
+        <p:blipFill>
+          <a:blip r:embed="rId3">
+            <a:extLst>
+              <a:ext uri="{28A0092B-C50C-407E-A947-70E740481C1C}">
+                <a14:useLocalDpi xmlns:a14="http://schemas.microsoft.com/office/drawing/2010/main" val="0"/>
+              </a:ext>
+            </a:extLst>
+          </a:blip>
+          <a:srcRect l="14165" t="4997" r="16998" b="16854"/>
+          <a:stretch/>
+        </p:blipFill>
+        <p:spPr>
+          <a:xfrm>
+            <a:off x="2640105" y="2295157"/>
+            <a:ext cx="2406409" cy="2048973"/>
+          </a:xfrm>
+          <a:prstGeom prst="rect">
+            <a:avLst/>
+          </a:prstGeom>
+        </p:spPr>
+      </p:pic>
+      <p:pic>
+        <p:nvPicPr>
+          <p:cNvPr id="9" name="Picture 8" descr="A green and red pie chart&#10;&#10;Description automatically generated">
+            <a:extLst>
+              <a:ext uri="{FF2B5EF4-FFF2-40B4-BE49-F238E27FC236}">
+                <a16:creationId xmlns:a16="http://schemas.microsoft.com/office/drawing/2014/main" id="{871E3945-8063-CD02-EE45-2EE07A2ABBD7}"/>
+              </a:ext>
+            </a:extLst>
+          </p:cNvPr>
+          <p:cNvPicPr>
+            <a:picLocks noChangeAspect="1"/>
+          </p:cNvPicPr>
+          <p:nvPr/>
+        </p:nvPicPr>
+        <p:blipFill>
+          <a:blip r:embed="rId4">
+            <a:extLst>
+              <a:ext uri="{28A0092B-C50C-407E-A947-70E740481C1C}">
+                <a14:useLocalDpi xmlns:a14="http://schemas.microsoft.com/office/drawing/2010/main" val="0"/>
+              </a:ext>
+            </a:extLst>
+          </a:blip>
+          <a:srcRect l="19854" t="6150" r="21390" b="17334"/>
+          <a:stretch/>
+        </p:blipFill>
+        <p:spPr>
+          <a:xfrm>
+            <a:off x="5068332" y="2336651"/>
+            <a:ext cx="2055336" cy="2007479"/>
+          </a:xfrm>
+          <a:prstGeom prst="rect">
+            <a:avLst/>
+          </a:prstGeom>
+        </p:spPr>
+      </p:pic>
+      <p:pic>
+        <p:nvPicPr>
+          <p:cNvPr id="11" name="Picture 10" descr="A green and red pie chart&#10;&#10;Description automatically generated">
+            <a:extLst>
+              <a:ext uri="{FF2B5EF4-FFF2-40B4-BE49-F238E27FC236}">
+                <a16:creationId xmlns:a16="http://schemas.microsoft.com/office/drawing/2014/main" id="{C6DCA2FB-49A5-984B-5EFD-953824DAFAB3}"/>
+              </a:ext>
+            </a:extLst>
+          </p:cNvPr>
+          <p:cNvPicPr>
+            <a:picLocks noChangeAspect="1"/>
+          </p:cNvPicPr>
+          <p:nvPr/>
+        </p:nvPicPr>
+        <p:blipFill>
+          <a:blip r:embed="rId5">
+            <a:extLst>
+              <a:ext uri="{28A0092B-C50C-407E-A947-70E740481C1C}">
+                <a14:useLocalDpi xmlns:a14="http://schemas.microsoft.com/office/drawing/2010/main" val="0"/>
+              </a:ext>
+            </a:extLst>
+          </a:blip>
+          <a:srcRect l="24247" t="6054" r="23046" b="16758"/>
+          <a:stretch/>
+        </p:blipFill>
+        <p:spPr>
+          <a:xfrm>
+            <a:off x="7431798" y="2291267"/>
+            <a:ext cx="1914877" cy="2103226"/>
+          </a:xfrm>
+          <a:prstGeom prst="rect">
+            <a:avLst/>
+          </a:prstGeom>
+        </p:spPr>
+      </p:pic>
+      <p:pic>
+        <p:nvPicPr>
+          <p:cNvPr id="13" name="Picture 12" descr="A red and green pie chart&#10;&#10;Description automatically generated">
+            <a:extLst>
+              <a:ext uri="{FF2B5EF4-FFF2-40B4-BE49-F238E27FC236}">
+                <a16:creationId xmlns:a16="http://schemas.microsoft.com/office/drawing/2014/main" id="{0C3B0A9B-80BA-9EF6-9B8E-F3C330372F0E}"/>
+              </a:ext>
+            </a:extLst>
+          </p:cNvPr>
+          <p:cNvPicPr>
+            <a:picLocks noChangeAspect="1"/>
+          </p:cNvPicPr>
+          <p:nvPr/>
+        </p:nvPicPr>
+        <p:blipFill>
+          <a:blip r:embed="rId6">
+            <a:extLst>
+              <a:ext uri="{28A0092B-C50C-407E-A947-70E740481C1C}">
+                <a14:useLocalDpi xmlns:a14="http://schemas.microsoft.com/office/drawing/2010/main" val="0"/>
+              </a:ext>
+            </a:extLst>
+          </a:blip>
+          <a:srcRect l="28063" t="5765" r="25134" b="13397"/>
+          <a:stretch/>
+        </p:blipFill>
+        <p:spPr>
+          <a:xfrm>
+            <a:off x="9872973" y="2291267"/>
+            <a:ext cx="1679337" cy="2175387"/>
+          </a:xfrm>
+          <a:prstGeom prst="rect">
+            <a:avLst/>
+          </a:prstGeom>
+        </p:spPr>
+      </p:pic>
+      <p:sp>
+        <p:nvSpPr>
+          <p:cNvPr id="14" name="TextBox 13">
+            <a:extLst>
+              <a:ext uri="{FF2B5EF4-FFF2-40B4-BE49-F238E27FC236}">
+                <a16:creationId xmlns:a16="http://schemas.microsoft.com/office/drawing/2014/main" id="{AC2EDFDD-7920-B1E3-D980-9E16C10CDA09}"/>
+              </a:ext>
+            </a:extLst>
+          </p:cNvPr>
+          <p:cNvSpPr txBox="1"/>
+          <p:nvPr/>
+        </p:nvSpPr>
+        <p:spPr>
+          <a:xfrm>
+            <a:off x="213919" y="5104701"/>
+            <a:ext cx="10280709" cy="1538883"/>
+          </a:xfrm>
+          <a:prstGeom prst="rect">
+            <a:avLst/>
+          </a:prstGeom>
+          <a:noFill/>
+        </p:spPr>
+        <p:txBody>
+          <a:bodyPr wrap="square" rtlCol="0">
+            <a:spAutoFit/>
+          </a:bodyPr>
+          <a:lstStyle/>
+          <a:p>
+            <a:pPr marL="171450" indent="-171450" algn="l">
+              <a:buFont typeface="Arial" panose="020B0604020202020204" pitchFamily="34" charset="0"/>
+              <a:buChar char="•"/>
+            </a:pPr>
+            <a:r>
+              <a:rPr lang="en-US" sz="1600" b="0" i="0" dirty="0">
+                <a:effectLst/>
+                <a:latin typeface="system-ui"/>
+              </a:rPr>
+              <a:t>There is a clear increasing trend in the ratio of explicit content in popular compared to non-explicit content. </a:t>
+            </a:r>
+          </a:p>
+          <a:p>
+            <a:pPr marL="171450" indent="-171450" algn="l">
+              <a:buFont typeface="Arial" panose="020B0604020202020204" pitchFamily="34" charset="0"/>
+              <a:buChar char="•"/>
+            </a:pPr>
+            <a:r>
+              <a:rPr lang="en-US" sz="1600" b="0" i="0" dirty="0">
+                <a:effectLst/>
+                <a:latin typeface="system-ui"/>
+              </a:rPr>
+              <a:t>Per decade, the ratio of explicit to non-explicit songs has increased by at least 10 percent.</a:t>
+            </a:r>
+          </a:p>
+          <a:p>
+            <a:pPr marL="171450" indent="-171450" algn="l">
+              <a:buFont typeface="Arial" panose="020B0604020202020204" pitchFamily="34" charset="0"/>
+              <a:buChar char="•"/>
+            </a:pPr>
+            <a:r>
+              <a:rPr lang="en-US" sz="1600" b="0" i="0" dirty="0">
+                <a:effectLst/>
+                <a:latin typeface="system-ui"/>
+              </a:rPr>
+              <a:t> Starting in the 1980s, explicit content in music was extremely uncommon. </a:t>
+            </a:r>
+          </a:p>
+          <a:p>
+            <a:pPr marL="171450" indent="-171450" algn="l">
+              <a:buFont typeface="Arial" panose="020B0604020202020204" pitchFamily="34" charset="0"/>
+              <a:buChar char="•"/>
+            </a:pPr>
+            <a:r>
+              <a:rPr lang="en-US" sz="1600" b="0" i="0" dirty="0">
+                <a:effectLst/>
+                <a:latin typeface="system-ui"/>
+              </a:rPr>
+              <a:t>By 2020 and onward, explicit songs now constitute nearly half of our sample of popular songs.</a:t>
+            </a:r>
+          </a:p>
+          <a:p>
+            <a:pPr marL="171450" indent="-171450" algn="l">
+              <a:buFont typeface="Arial" panose="020B0604020202020204" pitchFamily="34" charset="0"/>
+              <a:buChar char="•"/>
+            </a:pPr>
+            <a:endParaRPr lang="en-US" sz="1200" b="0" i="0" dirty="0">
+              <a:effectLst/>
+              <a:latin typeface="system-ui"/>
+            </a:endParaRPr>
+          </a:p>
+          <a:p>
+            <a:endParaRPr lang="en-US" dirty="0"/>
+          </a:p>
+        </p:txBody>
+      </p:sp>
+    </p:spTree>
+    <p:extLst>
+      <p:ext uri="{BB962C8B-B14F-4D97-AF65-F5344CB8AC3E}">
+        <p14:creationId xmlns:p14="http://schemas.microsoft.com/office/powerpoint/2010/main" val="2314227563"/>
+      </p:ext>
+    </p:extLst>
+  </p:cSld>
+  <p:clrMapOvr>
+    <a:masterClrMapping/>
+  </p:clrMapOvr>
+</p:sld>
+</file>
+
 <file path=ppt/slides/slide2.xml><?xml version="1.0" encoding="utf-8"?>
 <p:sld xmlns:a="http://schemas.openxmlformats.org/drawingml/2006/main" xmlns:r="http://schemas.openxmlformats.org/officeDocument/2006/relationships" xmlns:p="http://schemas.openxmlformats.org/presentationml/2006/main">
   <p:cSld>
@@ -4582,13 +5337,7 @@
   <p:cSld>
     <p:spTree>
       <p:nvGrpSpPr>
-        <p:cNvPr id="1" name="">
-          <a:extLst>
-            <a:ext uri="{FF2B5EF4-FFF2-40B4-BE49-F238E27FC236}">
-              <a16:creationId xmlns:a16="http://schemas.microsoft.com/office/drawing/2014/main" id="{D25BE3F2-E6E9-C343-CC8C-222E3FFB7AD3}"/>
-            </a:ext>
-          </a:extLst>
-        </p:cNvPr>
+        <p:cNvPr id="1" name=""/>
         <p:cNvGrpSpPr/>
         <p:nvPr/>
       </p:nvGrpSpPr>
@@ -4602,303 +5351,52 @@
       </p:grpSpPr>
       <p:sp>
         <p:nvSpPr>
-          <p:cNvPr id="2" name="Title 1">
-            <a:extLst>
-              <a:ext uri="{FF2B5EF4-FFF2-40B4-BE49-F238E27FC236}">
-                <a16:creationId xmlns:a16="http://schemas.microsoft.com/office/drawing/2014/main" id="{80AEEC76-636B-43A4-C0AF-81D0BCDB179B}"/>
-              </a:ext>
-            </a:extLst>
-          </p:cNvPr>
-          <p:cNvSpPr>
-            <a:spLocks noGrp="1"/>
-          </p:cNvSpPr>
-          <p:nvPr>
-            <p:ph type="ctrTitle"/>
-          </p:nvPr>
-        </p:nvSpPr>
-        <p:spPr>
-          <a:xfrm>
-            <a:off x="-1" y="406904"/>
-            <a:ext cx="4051883" cy="952113"/>
-          </a:xfrm>
-        </p:spPr>
-        <p:txBody>
-          <a:bodyPr>
-            <a:normAutofit fontScale="90000"/>
-          </a:bodyPr>
-          <a:lstStyle/>
-          <a:p>
-            <a:r>
-              <a:rPr lang="en-US" sz="4800" dirty="0"/>
-              <a:t>Explicit Content</a:t>
-            </a:r>
-          </a:p>
-        </p:txBody>
-      </p:sp>
-      <p:pic>
-        <p:nvPicPr>
-          <p:cNvPr id="4" name="Picture 3" descr="A green circle with red text&#10;&#10;Description automatically generated">
-            <a:extLst>
-              <a:ext uri="{FF2B5EF4-FFF2-40B4-BE49-F238E27FC236}">
-                <a16:creationId xmlns:a16="http://schemas.microsoft.com/office/drawing/2014/main" id="{9090200B-A18E-2D32-3F61-FFB25E8B9971}"/>
-              </a:ext>
-            </a:extLst>
-          </p:cNvPr>
-          <p:cNvPicPr>
-            <a:picLocks noChangeAspect="1"/>
-          </p:cNvPicPr>
-          <p:nvPr/>
-        </p:nvPicPr>
-        <p:blipFill>
-          <a:blip r:embed="rId2">
-            <a:extLst>
-              <a:ext uri="{28A0092B-C50C-407E-A947-70E740481C1C}">
-                <a14:useLocalDpi xmlns:a14="http://schemas.microsoft.com/office/drawing/2010/main" val="0"/>
-              </a:ext>
-            </a:extLst>
-          </a:blip>
-          <a:srcRect l="12294" t="5285" r="13830" b="16086"/>
-          <a:stretch/>
-        </p:blipFill>
-        <p:spPr>
-          <a:xfrm>
-            <a:off x="126325" y="2291267"/>
-            <a:ext cx="2566844" cy="2048972"/>
-          </a:xfrm>
-          <a:prstGeom prst="rect">
-            <a:avLst/>
-          </a:prstGeom>
-        </p:spPr>
-      </p:pic>
-      <p:pic>
-        <p:nvPicPr>
-          <p:cNvPr id="7" name="Picture 6" descr="A green and red pie chart&#10;&#10;Description automatically generated">
-            <a:extLst>
-              <a:ext uri="{FF2B5EF4-FFF2-40B4-BE49-F238E27FC236}">
-                <a16:creationId xmlns:a16="http://schemas.microsoft.com/office/drawing/2014/main" id="{907A4AD7-86B4-FE15-7DA6-8DF0ABD1F160}"/>
-              </a:ext>
-            </a:extLst>
-          </p:cNvPr>
-          <p:cNvPicPr>
-            <a:picLocks noChangeAspect="1"/>
-          </p:cNvPicPr>
-          <p:nvPr/>
-        </p:nvPicPr>
-        <p:blipFill>
-          <a:blip r:embed="rId3">
-            <a:extLst>
-              <a:ext uri="{28A0092B-C50C-407E-A947-70E740481C1C}">
-                <a14:useLocalDpi xmlns:a14="http://schemas.microsoft.com/office/drawing/2010/main" val="0"/>
-              </a:ext>
-            </a:extLst>
-          </a:blip>
-          <a:srcRect l="14165" t="4997" r="16998" b="16854"/>
-          <a:stretch/>
-        </p:blipFill>
-        <p:spPr>
-          <a:xfrm>
-            <a:off x="2640105" y="2295157"/>
-            <a:ext cx="2406409" cy="2048973"/>
-          </a:xfrm>
-          <a:prstGeom prst="rect">
-            <a:avLst/>
-          </a:prstGeom>
-        </p:spPr>
-      </p:pic>
-      <p:pic>
-        <p:nvPicPr>
-          <p:cNvPr id="9" name="Picture 8" descr="A green and red pie chart&#10;&#10;Description automatically generated">
-            <a:extLst>
-              <a:ext uri="{FF2B5EF4-FFF2-40B4-BE49-F238E27FC236}">
-                <a16:creationId xmlns:a16="http://schemas.microsoft.com/office/drawing/2014/main" id="{871E3945-8063-CD02-EE45-2EE07A2ABBD7}"/>
-              </a:ext>
-            </a:extLst>
-          </p:cNvPr>
-          <p:cNvPicPr>
-            <a:picLocks noChangeAspect="1"/>
-          </p:cNvPicPr>
-          <p:nvPr/>
-        </p:nvPicPr>
-        <p:blipFill>
-          <a:blip r:embed="rId4">
-            <a:extLst>
-              <a:ext uri="{28A0092B-C50C-407E-A947-70E740481C1C}">
-                <a14:useLocalDpi xmlns:a14="http://schemas.microsoft.com/office/drawing/2010/main" val="0"/>
-              </a:ext>
-            </a:extLst>
-          </a:blip>
-          <a:srcRect l="19854" t="6150" r="21390" b="17334"/>
-          <a:stretch/>
-        </p:blipFill>
-        <p:spPr>
-          <a:xfrm>
-            <a:off x="5068332" y="2336651"/>
-            <a:ext cx="2055336" cy="2007479"/>
-          </a:xfrm>
-          <a:prstGeom prst="rect">
-            <a:avLst/>
-          </a:prstGeom>
-        </p:spPr>
-      </p:pic>
-      <p:pic>
-        <p:nvPicPr>
-          <p:cNvPr id="11" name="Picture 10" descr="A green and red pie chart&#10;&#10;Description automatically generated">
-            <a:extLst>
-              <a:ext uri="{FF2B5EF4-FFF2-40B4-BE49-F238E27FC236}">
-                <a16:creationId xmlns:a16="http://schemas.microsoft.com/office/drawing/2014/main" id="{C6DCA2FB-49A5-984B-5EFD-953824DAFAB3}"/>
-              </a:ext>
-            </a:extLst>
-          </p:cNvPr>
-          <p:cNvPicPr>
-            <a:picLocks noChangeAspect="1"/>
-          </p:cNvPicPr>
-          <p:nvPr/>
-        </p:nvPicPr>
-        <p:blipFill>
-          <a:blip r:embed="rId5">
-            <a:extLst>
-              <a:ext uri="{28A0092B-C50C-407E-A947-70E740481C1C}">
-                <a14:useLocalDpi xmlns:a14="http://schemas.microsoft.com/office/drawing/2010/main" val="0"/>
-              </a:ext>
-            </a:extLst>
-          </a:blip>
-          <a:srcRect l="24247" t="6054" r="23046" b="16758"/>
-          <a:stretch/>
-        </p:blipFill>
-        <p:spPr>
-          <a:xfrm>
-            <a:off x="7431798" y="2291267"/>
-            <a:ext cx="1914877" cy="2103226"/>
-          </a:xfrm>
-          <a:prstGeom prst="rect">
-            <a:avLst/>
-          </a:prstGeom>
-        </p:spPr>
-      </p:pic>
-      <p:pic>
-        <p:nvPicPr>
-          <p:cNvPr id="13" name="Picture 12" descr="A red and green pie chart&#10;&#10;Description automatically generated">
-            <a:extLst>
-              <a:ext uri="{FF2B5EF4-FFF2-40B4-BE49-F238E27FC236}">
-                <a16:creationId xmlns:a16="http://schemas.microsoft.com/office/drawing/2014/main" id="{0C3B0A9B-80BA-9EF6-9B8E-F3C330372F0E}"/>
-              </a:ext>
-            </a:extLst>
-          </p:cNvPr>
-          <p:cNvPicPr>
-            <a:picLocks noChangeAspect="1"/>
-          </p:cNvPicPr>
-          <p:nvPr/>
-        </p:nvPicPr>
-        <p:blipFill>
-          <a:blip r:embed="rId6">
-            <a:extLst>
-              <a:ext uri="{28A0092B-C50C-407E-A947-70E740481C1C}">
-                <a14:useLocalDpi xmlns:a14="http://schemas.microsoft.com/office/drawing/2010/main" val="0"/>
-              </a:ext>
-            </a:extLst>
-          </a:blip>
-          <a:srcRect l="28063" t="5765" r="25134" b="13397"/>
-          <a:stretch/>
-        </p:blipFill>
-        <p:spPr>
-          <a:xfrm>
-            <a:off x="9872973" y="2291267"/>
-            <a:ext cx="1679337" cy="2175387"/>
-          </a:xfrm>
-          <a:prstGeom prst="rect">
-            <a:avLst/>
-          </a:prstGeom>
-        </p:spPr>
-      </p:pic>
-      <p:sp>
-        <p:nvSpPr>
-          <p:cNvPr id="14" name="TextBox 13">
-            <a:extLst>
-              <a:ext uri="{FF2B5EF4-FFF2-40B4-BE49-F238E27FC236}">
-                <a16:creationId xmlns:a16="http://schemas.microsoft.com/office/drawing/2014/main" id="{AC2EDFDD-7920-B1E3-D980-9E16C10CDA09}"/>
-              </a:ext>
-            </a:extLst>
-          </p:cNvPr>
-          <p:cNvSpPr txBox="1"/>
-          <p:nvPr/>
-        </p:nvSpPr>
-        <p:spPr>
-          <a:xfrm>
-            <a:off x="213919" y="5104701"/>
-            <a:ext cx="10280709" cy="1538883"/>
-          </a:xfrm>
-          <a:prstGeom prst="rect">
-            <a:avLst/>
-          </a:prstGeom>
-          <a:noFill/>
-        </p:spPr>
-        <p:txBody>
-          <a:bodyPr wrap="square" rtlCol="0">
-            <a:spAutoFit/>
-          </a:bodyPr>
-          <a:lstStyle/>
-          <a:p>
-            <a:pPr marL="171450" indent="-171450" algn="l">
-              <a:buFont typeface="Arial" panose="020B0604020202020204" pitchFamily="34" charset="0"/>
-              <a:buChar char="•"/>
-            </a:pPr>
-            <a:r>
-              <a:rPr lang="en-US" sz="1600" b="0" i="0" dirty="0">
-                <a:effectLst/>
-                <a:latin typeface="system-ui"/>
-              </a:rPr>
-              <a:t>There is a clear increasing trend in the ratio of explicit content in popular compared to non-explicit content. </a:t>
-            </a:r>
-          </a:p>
-          <a:p>
-            <a:pPr marL="171450" indent="-171450" algn="l">
-              <a:buFont typeface="Arial" panose="020B0604020202020204" pitchFamily="34" charset="0"/>
-              <a:buChar char="•"/>
-            </a:pPr>
-            <a:r>
-              <a:rPr lang="en-US" sz="1600" b="0" i="0" dirty="0">
-                <a:effectLst/>
-                <a:latin typeface="system-ui"/>
-              </a:rPr>
-              <a:t>Per decade, the ratio of explicit to non-explicit songs has increased by at least 10 percent.</a:t>
-            </a:r>
-          </a:p>
-          <a:p>
-            <a:pPr marL="171450" indent="-171450" algn="l">
-              <a:buFont typeface="Arial" panose="020B0604020202020204" pitchFamily="34" charset="0"/>
-              <a:buChar char="•"/>
-            </a:pPr>
-            <a:r>
-              <a:rPr lang="en-US" sz="1600" b="0" i="0" dirty="0">
-                <a:effectLst/>
-                <a:latin typeface="system-ui"/>
-              </a:rPr>
-              <a:t> Starting in the 1980s, explicit content in music was extremely uncommon. </a:t>
-            </a:r>
-          </a:p>
-          <a:p>
-            <a:pPr marL="171450" indent="-171450" algn="l">
-              <a:buFont typeface="Arial" panose="020B0604020202020204" pitchFamily="34" charset="0"/>
-              <a:buChar char="•"/>
-            </a:pPr>
-            <a:r>
-              <a:rPr lang="en-US" sz="1600" b="0" i="0" dirty="0">
-                <a:effectLst/>
-                <a:latin typeface="system-ui"/>
-              </a:rPr>
-              <a:t>By 2020 and onward, explicit songs now constitute nearly half of our sample of popular songs.</a:t>
-            </a:r>
-          </a:p>
-          <a:p>
-            <a:pPr marL="171450" indent="-171450" algn="l">
-              <a:buFont typeface="Arial" panose="020B0604020202020204" pitchFamily="34" charset="0"/>
-              <a:buChar char="•"/>
-            </a:pPr>
-            <a:endParaRPr lang="en-US" sz="1200" b="0" i="0" dirty="0">
-              <a:effectLst/>
-              <a:latin typeface="system-ui"/>
-            </a:endParaRPr>
-          </a:p>
+          <p:cNvPr id="6" name="Title 5">
+            <a:extLst>
+              <a:ext uri="{FF2B5EF4-FFF2-40B4-BE49-F238E27FC236}">
+                <a16:creationId xmlns:a16="http://schemas.microsoft.com/office/drawing/2014/main" id="{7F2DBAC0-5FA2-CA9F-3B10-D417A2BBB33C}"/>
+              </a:ext>
+            </a:extLst>
+          </p:cNvPr>
+          <p:cNvSpPr>
+            <a:spLocks noGrp="1"/>
+          </p:cNvSpPr>
+          <p:nvPr>
+            <p:ph type="title"/>
+          </p:nvPr>
+        </p:nvSpPr>
+        <p:spPr/>
+        <p:txBody>
+          <a:bodyPr/>
+          <a:lstStyle/>
+          <a:p>
+            <a:r>
+              <a:rPr lang="en-US" dirty="0"/>
+              <a:t>Is popular music getting more or less complex/diverse?</a:t>
+            </a:r>
+          </a:p>
+        </p:txBody>
+      </p:sp>
+      <p:sp>
+        <p:nvSpPr>
+          <p:cNvPr id="7" name="Text Placeholder 6">
+            <a:extLst>
+              <a:ext uri="{FF2B5EF4-FFF2-40B4-BE49-F238E27FC236}">
+                <a16:creationId xmlns:a16="http://schemas.microsoft.com/office/drawing/2014/main" id="{A1D0CA8C-B824-031A-4516-08584F986360}"/>
+              </a:ext>
+            </a:extLst>
+          </p:cNvPr>
+          <p:cNvSpPr>
+            <a:spLocks noGrp="1"/>
+          </p:cNvSpPr>
+          <p:nvPr>
+            <p:ph type="body" idx="1"/>
+          </p:nvPr>
+        </p:nvSpPr>
+        <p:spPr/>
+        <p:txBody>
+          <a:bodyPr/>
+          <a:lstStyle/>
           <a:p>
             <a:endParaRPr lang="en-US" dirty="0"/>
           </a:p>
@@ -4907,7 +5405,7 @@
     </p:spTree>
     <p:extLst>
       <p:ext uri="{BB962C8B-B14F-4D97-AF65-F5344CB8AC3E}">
-        <p14:creationId xmlns:p14="http://schemas.microsoft.com/office/powerpoint/2010/main" val="2314227563"/>
+        <p14:creationId xmlns:p14="http://schemas.microsoft.com/office/powerpoint/2010/main" val="951871515"/>
       </p:ext>
     </p:extLst>
   </p:cSld>
